--- a/Практка.pptx
+++ b/Практка.pptx
@@ -201,7 +201,7 @@
           <a:p>
             <a:fld id="{14F4E8EF-8371-4385-8042-64DD9CF472DF}" type="datetimeFigureOut">
               <a:rPr lang="ru-RU" smtClean="0"/>
-              <a:t>20.12.2023</a:t>
+              <a:t>22.12.2023</a:t>
             </a:fld>
             <a:endParaRPr lang="ru-RU"/>
           </a:p>
@@ -1275,7 +1275,7 @@
           <a:p>
             <a:fld id="{E25D94E6-C7F0-4737-A97B-F3BD60D563E4}" type="datetimeFigureOut">
               <a:rPr lang="ru-RU" smtClean="0"/>
-              <a:t>20.12.2023</a:t>
+              <a:t>22.12.2023</a:t>
             </a:fld>
             <a:endParaRPr lang="ru-RU"/>
           </a:p>
@@ -1526,7 +1526,7 @@
           <a:p>
             <a:fld id="{E25D94E6-C7F0-4737-A97B-F3BD60D563E4}" type="datetimeFigureOut">
               <a:rPr lang="ru-RU" smtClean="0"/>
-              <a:t>20.12.2023</a:t>
+              <a:t>22.12.2023</a:t>
             </a:fld>
             <a:endParaRPr lang="ru-RU"/>
           </a:p>
@@ -1840,7 +1840,7 @@
           <a:p>
             <a:fld id="{E25D94E6-C7F0-4737-A97B-F3BD60D563E4}" type="datetimeFigureOut">
               <a:rPr lang="ru-RU" smtClean="0"/>
-              <a:t>20.12.2023</a:t>
+              <a:t>22.12.2023</a:t>
             </a:fld>
             <a:endParaRPr lang="ru-RU"/>
           </a:p>
@@ -2181,7 +2181,7 @@
           <a:p>
             <a:fld id="{E25D94E6-C7F0-4737-A97B-F3BD60D563E4}" type="datetimeFigureOut">
               <a:rPr lang="ru-RU" smtClean="0"/>
-              <a:t>20.12.2023</a:t>
+              <a:t>22.12.2023</a:t>
             </a:fld>
             <a:endParaRPr lang="ru-RU"/>
           </a:p>
@@ -2495,7 +2495,7 @@
           <a:p>
             <a:fld id="{E25D94E6-C7F0-4737-A97B-F3BD60D563E4}" type="datetimeFigureOut">
               <a:rPr lang="ru-RU" smtClean="0"/>
-              <a:t>20.12.2023</a:t>
+              <a:t>22.12.2023</a:t>
             </a:fld>
             <a:endParaRPr lang="ru-RU"/>
           </a:p>
@@ -2888,7 +2888,7 @@
           <a:p>
             <a:fld id="{E25D94E6-C7F0-4737-A97B-F3BD60D563E4}" type="datetimeFigureOut">
               <a:rPr lang="ru-RU" smtClean="0"/>
-              <a:t>20.12.2023</a:t>
+              <a:t>22.12.2023</a:t>
             </a:fld>
             <a:endParaRPr lang="ru-RU"/>
           </a:p>
@@ -3058,7 +3058,7 @@
           <a:p>
             <a:fld id="{E25D94E6-C7F0-4737-A97B-F3BD60D563E4}" type="datetimeFigureOut">
               <a:rPr lang="ru-RU" smtClean="0"/>
-              <a:t>20.12.2023</a:t>
+              <a:t>22.12.2023</a:t>
             </a:fld>
             <a:endParaRPr lang="ru-RU"/>
           </a:p>
@@ -3238,7 +3238,7 @@
           <a:p>
             <a:fld id="{E25D94E6-C7F0-4737-A97B-F3BD60D563E4}" type="datetimeFigureOut">
               <a:rPr lang="ru-RU" smtClean="0"/>
-              <a:t>20.12.2023</a:t>
+              <a:t>22.12.2023</a:t>
             </a:fld>
             <a:endParaRPr lang="ru-RU"/>
           </a:p>
@@ -3414,7 +3414,7 @@
           <a:p>
             <a:fld id="{E25D94E6-C7F0-4737-A97B-F3BD60D563E4}" type="datetimeFigureOut">
               <a:rPr lang="ru-RU" smtClean="0"/>
-              <a:t>20.12.2023</a:t>
+              <a:t>22.12.2023</a:t>
             </a:fld>
             <a:endParaRPr lang="ru-RU"/>
           </a:p>
@@ -3661,7 +3661,7 @@
           <a:p>
             <a:fld id="{E25D94E6-C7F0-4737-A97B-F3BD60D563E4}" type="datetimeFigureOut">
               <a:rPr lang="ru-RU" smtClean="0"/>
-              <a:t>20.12.2023</a:t>
+              <a:t>22.12.2023</a:t>
             </a:fld>
             <a:endParaRPr lang="ru-RU"/>
           </a:p>
@@ -3893,7 +3893,7 @@
           <a:p>
             <a:fld id="{E25D94E6-C7F0-4737-A97B-F3BD60D563E4}" type="datetimeFigureOut">
               <a:rPr lang="ru-RU" smtClean="0"/>
-              <a:t>20.12.2023</a:t>
+              <a:t>22.12.2023</a:t>
             </a:fld>
             <a:endParaRPr lang="ru-RU"/>
           </a:p>
@@ -4267,7 +4267,7 @@
           <a:p>
             <a:fld id="{E25D94E6-C7F0-4737-A97B-F3BD60D563E4}" type="datetimeFigureOut">
               <a:rPr lang="ru-RU" smtClean="0"/>
-              <a:t>20.12.2023</a:t>
+              <a:t>22.12.2023</a:t>
             </a:fld>
             <a:endParaRPr lang="ru-RU"/>
           </a:p>
@@ -4390,7 +4390,7 @@
           <a:p>
             <a:fld id="{E25D94E6-C7F0-4737-A97B-F3BD60D563E4}" type="datetimeFigureOut">
               <a:rPr lang="ru-RU" smtClean="0"/>
-              <a:t>20.12.2023</a:t>
+              <a:t>22.12.2023</a:t>
             </a:fld>
             <a:endParaRPr lang="ru-RU"/>
           </a:p>
@@ -4485,7 +4485,7 @@
           <a:p>
             <a:fld id="{E25D94E6-C7F0-4737-A97B-F3BD60D563E4}" type="datetimeFigureOut">
               <a:rPr lang="ru-RU" smtClean="0"/>
-              <a:t>20.12.2023</a:t>
+              <a:t>22.12.2023</a:t>
             </a:fld>
             <a:endParaRPr lang="ru-RU"/>
           </a:p>
@@ -4740,7 +4740,7 @@
           <a:p>
             <a:fld id="{E25D94E6-C7F0-4737-A97B-F3BD60D563E4}" type="datetimeFigureOut">
               <a:rPr lang="ru-RU" smtClean="0"/>
-              <a:t>20.12.2023</a:t>
+              <a:t>22.12.2023</a:t>
             </a:fld>
             <a:endParaRPr lang="ru-RU"/>
           </a:p>
@@ -5003,7 +5003,7 @@
           <a:p>
             <a:fld id="{E25D94E6-C7F0-4737-A97B-F3BD60D563E4}" type="datetimeFigureOut">
               <a:rPr lang="ru-RU" smtClean="0"/>
-              <a:t>20.12.2023</a:t>
+              <a:t>22.12.2023</a:t>
             </a:fld>
             <a:endParaRPr lang="ru-RU"/>
           </a:p>
@@ -5746,7 +5746,7 @@
           <a:p>
             <a:fld id="{E25D94E6-C7F0-4737-A97B-F3BD60D563E4}" type="datetimeFigureOut">
               <a:rPr lang="ru-RU" smtClean="0"/>
-              <a:t>20.12.2023</a:t>
+              <a:t>22.12.2023</a:t>
             </a:fld>
             <a:endParaRPr lang="ru-RU"/>
           </a:p>
@@ -6973,7 +6973,19 @@
           <a:p>
             <a:r>
               <a:rPr lang="ru-RU" dirty="0" smtClean="0"/>
-              <a:t>Привожу пример анализа одного и того же снимка при разных углах поворота и результат который можно получить</a:t>
+              <a:t>Привожу пример анализа одного и того же снимка при разных углах поворота и </a:t>
+            </a:r>
+            <a:r>
+              <a:rPr lang="ru-RU" dirty="0" smtClean="0"/>
+              <a:t>результат, </a:t>
+            </a:r>
+            <a:r>
+              <a:rPr lang="ru-RU" dirty="0" smtClean="0"/>
+              <a:t>который можно </a:t>
+            </a:r>
+            <a:r>
+              <a:rPr lang="ru-RU" dirty="0" smtClean="0"/>
+              <a:t>получить.</a:t>
             </a:r>
             <a:endParaRPr lang="ru-RU" dirty="0"/>
           </a:p>
